--- a/Day 12/Slides/2. Angular 14 Deployment/angular-14-deployment-slides.pptx
+++ b/Day 12/Slides/2. Angular 14 Deployment/angular-14-deployment-slides.pptx
@@ -5,19 +5,17 @@
     <p:sldMasterId id="2147483648" r:id="rId1"/>
   </p:sldMasterIdLst>
   <p:notesMasterIdLst>
-    <p:notesMasterId r:id="rId13"/>
+    <p:notesMasterId r:id="rId10"/>
   </p:notesMasterIdLst>
   <p:sldIdLst>
-    <p:sldId id="257" r:id="rId3"/>
-    <p:sldId id="273" r:id="rId4"/>
-    <p:sldId id="264" r:id="rId5"/>
-    <p:sldId id="280" r:id="rId6"/>
-    <p:sldId id="281" r:id="rId7"/>
-    <p:sldId id="286" r:id="rId8"/>
-    <p:sldId id="282" r:id="rId9"/>
-    <p:sldId id="283" r:id="rId10"/>
-    <p:sldId id="284" r:id="rId11"/>
-    <p:sldId id="285" r:id="rId12"/>
+    <p:sldId id="257" r:id="rId2"/>
+    <p:sldId id="273" r:id="rId3"/>
+    <p:sldId id="264" r:id="rId4"/>
+    <p:sldId id="280" r:id="rId5"/>
+    <p:sldId id="282" r:id="rId6"/>
+    <p:sldId id="283" r:id="rId7"/>
+    <p:sldId id="284" r:id="rId8"/>
+    <p:sldId id="285" r:id="rId9"/>
   </p:sldIdLst>
   <p:sldSz cx="12192000" cy="6858000"/>
   <p:notesSz cx="6858000" cy="9144000"/>
@@ -116,6 +114,11 @@
       </a:defRPr>
     </a:lvl9pPr>
   </p:defaultTextStyle>
+  <p:extLst>
+    <p:ext uri="{EFAFB233-063F-42B5-8137-9DF3F51BA10A}">
+      <p15:sldGuideLst xmlns:p15="http://schemas.microsoft.com/office/powerpoint/2012/main"/>
+    </p:ext>
+  </p:extLst>
 </p:presentation>
 </file>
 
@@ -201,6 +204,7 @@
           <a:p>
             <a:fld id="{3EFD42F7-718C-4B98-AAEC-167E6DDD60A7}" type="datetimeFigureOut">
               <a:rPr lang="en-US" smtClean="0"/>
+              <a:t>7/27/2023</a:t>
             </a:fld>
             <a:endParaRPr lang="en-US"/>
           </a:p>
@@ -267,7 +271,6 @@
               <a:rPr lang="en-US"/>
               <a:t>Click to edit Master text styles</a:t>
             </a:r>
-            <a:endParaRPr lang="en-US"/>
           </a:p>
           <a:p>
             <a:pPr lvl="1"/>
@@ -275,7 +278,6 @@
               <a:rPr lang="en-US"/>
               <a:t>Second level</a:t>
             </a:r>
-            <a:endParaRPr lang="en-US"/>
           </a:p>
           <a:p>
             <a:pPr lvl="2"/>
@@ -283,7 +285,6 @@
               <a:rPr lang="en-US"/>
               <a:t>Third level</a:t>
             </a:r>
-            <a:endParaRPr lang="en-US"/>
           </a:p>
           <a:p>
             <a:pPr lvl="3"/>
@@ -291,7 +292,6 @@
               <a:rPr lang="en-US"/>
               <a:t>Fourth level</a:t>
             </a:r>
-            <a:endParaRPr lang="en-US"/>
           </a:p>
           <a:p>
             <a:pPr lvl="4"/>
@@ -299,7 +299,6 @@
               <a:rPr lang="en-US"/>
               <a:t>Fifth level</a:t>
             </a:r>
-            <a:endParaRPr lang="en-US"/>
           </a:p>
         </p:txBody>
       </p:sp>
@@ -363,6 +362,7 @@
           <a:p>
             <a:fld id="{21B2AA4F-B828-4D7C-AFD3-893933DAFCB4}" type="slidenum">
               <a:rPr lang="en-US" smtClean="0"/>
+              <a:t>‹#›</a:t>
             </a:fld>
             <a:endParaRPr lang="en-US"/>
           </a:p>
@@ -511,7 +511,6 @@
               <a:rPr lang="en-US"/>
               <a:t>Click to edit Master title style</a:t>
             </a:r>
-            <a:endParaRPr lang="en-US"/>
           </a:p>
         </p:txBody>
       </p:sp>
@@ -576,7 +575,6 @@
               <a:rPr lang="en-US"/>
               <a:t>Click to edit Master subtitle style</a:t>
             </a:r>
-            <a:endParaRPr lang="en-US"/>
           </a:p>
         </p:txBody>
       </p:sp>
@@ -597,6 +595,7 @@
           <a:p>
             <a:fld id="{1DC36BB3-A839-4B8E-8CE9-508AEF6495AD}" type="datetime1">
               <a:rPr lang="en-US" smtClean="0"/>
+              <a:t>7/27/2023</a:t>
             </a:fld>
             <a:endParaRPr lang="en-US"/>
           </a:p>
@@ -638,6 +637,7 @@
           <a:p>
             <a:fld id="{9B618960-8005-486C-9A75-10CB2AAC16F9}" type="slidenum">
               <a:rPr lang="en-US" smtClean="0"/>
+              <a:t>‹#›</a:t>
             </a:fld>
             <a:endParaRPr lang="en-US"/>
           </a:p>
@@ -687,7 +687,6 @@
               <a:rPr lang="en-US"/>
               <a:t>Click to edit Master title style</a:t>
             </a:r>
-            <a:endParaRPr lang="en-US"/>
           </a:p>
         </p:txBody>
       </p:sp>
@@ -711,7 +710,6 @@
               <a:rPr lang="en-US"/>
               <a:t>Click to edit Master text styles</a:t>
             </a:r>
-            <a:endParaRPr lang="en-US"/>
           </a:p>
           <a:p>
             <a:pPr lvl="1"/>
@@ -719,7 +717,6 @@
               <a:rPr lang="en-US"/>
               <a:t>Second level</a:t>
             </a:r>
-            <a:endParaRPr lang="en-US"/>
           </a:p>
           <a:p>
             <a:pPr lvl="2"/>
@@ -727,7 +724,6 @@
               <a:rPr lang="en-US"/>
               <a:t>Third level</a:t>
             </a:r>
-            <a:endParaRPr lang="en-US"/>
           </a:p>
           <a:p>
             <a:pPr lvl="3"/>
@@ -735,7 +731,6 @@
               <a:rPr lang="en-US"/>
               <a:t>Fourth level</a:t>
             </a:r>
-            <a:endParaRPr lang="en-US"/>
           </a:p>
           <a:p>
             <a:pPr lvl="4"/>
@@ -743,7 +738,6 @@
               <a:rPr lang="en-US"/>
               <a:t>Fifth level</a:t>
             </a:r>
-            <a:endParaRPr lang="en-US"/>
           </a:p>
         </p:txBody>
       </p:sp>
@@ -764,6 +758,7 @@
           <a:p>
             <a:fld id="{B8AB8E4F-C25E-4166-9795-967A98147FD4}" type="datetime1">
               <a:rPr lang="en-US" smtClean="0"/>
+              <a:t>7/27/2023</a:t>
             </a:fld>
             <a:endParaRPr lang="en-US"/>
           </a:p>
@@ -805,6 +800,7 @@
           <a:p>
             <a:fld id="{9B618960-8005-486C-9A75-10CB2AAC16F9}" type="slidenum">
               <a:rPr lang="en-US" smtClean="0"/>
+              <a:t>‹#›</a:t>
             </a:fld>
             <a:endParaRPr lang="en-US"/>
           </a:p>
@@ -859,7 +855,6 @@
               <a:rPr lang="en-US"/>
               <a:t>Click to edit Master title style</a:t>
             </a:r>
-            <a:endParaRPr lang="en-US"/>
           </a:p>
         </p:txBody>
       </p:sp>
@@ -888,7 +883,6 @@
               <a:rPr lang="en-US"/>
               <a:t>Click to edit Master text styles</a:t>
             </a:r>
-            <a:endParaRPr lang="en-US"/>
           </a:p>
           <a:p>
             <a:pPr lvl="1"/>
@@ -896,7 +890,6 @@
               <a:rPr lang="en-US"/>
               <a:t>Second level</a:t>
             </a:r>
-            <a:endParaRPr lang="en-US"/>
           </a:p>
           <a:p>
             <a:pPr lvl="2"/>
@@ -904,7 +897,6 @@
               <a:rPr lang="en-US"/>
               <a:t>Third level</a:t>
             </a:r>
-            <a:endParaRPr lang="en-US"/>
           </a:p>
           <a:p>
             <a:pPr lvl="3"/>
@@ -912,7 +904,6 @@
               <a:rPr lang="en-US"/>
               <a:t>Fourth level</a:t>
             </a:r>
-            <a:endParaRPr lang="en-US"/>
           </a:p>
           <a:p>
             <a:pPr lvl="4"/>
@@ -920,7 +911,6 @@
               <a:rPr lang="en-US"/>
               <a:t>Fifth level</a:t>
             </a:r>
-            <a:endParaRPr lang="en-US"/>
           </a:p>
         </p:txBody>
       </p:sp>
@@ -941,6 +931,7 @@
           <a:p>
             <a:fld id="{AC1D3DDB-C952-43F7-99DE-ED219EC1B71F}" type="datetime1">
               <a:rPr lang="en-US" smtClean="0"/>
+              <a:t>7/27/2023</a:t>
             </a:fld>
             <a:endParaRPr lang="en-US"/>
           </a:p>
@@ -982,6 +973,7 @@
           <a:p>
             <a:fld id="{9B618960-8005-486C-9A75-10CB2AAC16F9}" type="slidenum">
               <a:rPr lang="en-US" smtClean="0"/>
+              <a:t>‹#›</a:t>
             </a:fld>
             <a:endParaRPr lang="en-US"/>
           </a:p>
@@ -1028,10 +1020,9 @@
           <a:lstStyle/>
           <a:p>
             <a:r>
-              <a:rPr lang="en-US" smtClean="0"/>
+              <a:rPr lang="en-US"/>
               <a:t>Click to edit Master title style</a:t>
             </a:r>
-            <a:endParaRPr lang="en-US"/>
           </a:p>
         </p:txBody>
       </p:sp>
@@ -1052,42 +1043,37 @@
           <a:p>
             <a:pPr lvl="0"/>
             <a:r>
-              <a:rPr lang="en-US" smtClean="0"/>
+              <a:rPr lang="en-US"/>
               <a:t>Click to edit Master text styles</a:t>
             </a:r>
-            <a:endParaRPr lang="en-US" smtClean="0"/>
           </a:p>
           <a:p>
             <a:pPr lvl="1"/>
             <a:r>
-              <a:rPr lang="en-US" smtClean="0"/>
+              <a:rPr lang="en-US"/>
               <a:t>Second level</a:t>
             </a:r>
-            <a:endParaRPr lang="en-US" smtClean="0"/>
           </a:p>
           <a:p>
             <a:pPr lvl="2"/>
             <a:r>
-              <a:rPr lang="en-US" smtClean="0"/>
+              <a:rPr lang="en-US"/>
               <a:t>Third level</a:t>
             </a:r>
-            <a:endParaRPr lang="en-US" smtClean="0"/>
           </a:p>
           <a:p>
             <a:pPr lvl="3"/>
             <a:r>
-              <a:rPr lang="en-US" smtClean="0"/>
+              <a:rPr lang="en-US"/>
               <a:t>Fourth level</a:t>
             </a:r>
-            <a:endParaRPr lang="en-US" smtClean="0"/>
           </a:p>
           <a:p>
             <a:pPr lvl="4"/>
             <a:r>
-              <a:rPr lang="en-US" smtClean="0"/>
+              <a:rPr lang="en-US"/>
               <a:t>Fifth level</a:t>
             </a:r>
-            <a:endParaRPr lang="en-US"/>
           </a:p>
         </p:txBody>
       </p:sp>
@@ -1108,6 +1094,7 @@
           <a:p>
             <a:fld id="{5328E1F0-75D6-453A-8894-70B8E6E02ADB}" type="datetime1">
               <a:rPr lang="en-US" smtClean="0"/>
+              <a:t>7/27/2023</a:t>
             </a:fld>
             <a:endParaRPr lang="en-US"/>
           </a:p>
@@ -1149,6 +1136,7 @@
           <a:p>
             <a:fld id="{9B618960-8005-486C-9A75-10CB2AAC16F9}" type="slidenum">
               <a:rPr lang="en-US" smtClean="0"/>
+              <a:t>‹#›</a:t>
             </a:fld>
             <a:endParaRPr lang="en-US"/>
           </a:p>
@@ -1198,7 +1186,6 @@
               <a:rPr lang="en-US"/>
               <a:t>Click to edit Master title style</a:t>
             </a:r>
-            <a:endParaRPr lang="en-US"/>
           </a:p>
         </p:txBody>
       </p:sp>
@@ -1222,7 +1209,6 @@
               <a:rPr lang="en-US"/>
               <a:t>Click to edit Master text styles</a:t>
             </a:r>
-            <a:endParaRPr lang="en-US"/>
           </a:p>
           <a:p>
             <a:pPr lvl="1"/>
@@ -1230,7 +1216,6 @@
               <a:rPr lang="en-US"/>
               <a:t>Second level</a:t>
             </a:r>
-            <a:endParaRPr lang="en-US"/>
           </a:p>
           <a:p>
             <a:pPr lvl="2"/>
@@ -1238,7 +1223,6 @@
               <a:rPr lang="en-US"/>
               <a:t>Third level</a:t>
             </a:r>
-            <a:endParaRPr lang="en-US"/>
           </a:p>
           <a:p>
             <a:pPr lvl="3"/>
@@ -1246,7 +1230,6 @@
               <a:rPr lang="en-US"/>
               <a:t>Fourth level</a:t>
             </a:r>
-            <a:endParaRPr lang="en-US"/>
           </a:p>
           <a:p>
             <a:pPr lvl="4"/>
@@ -1254,7 +1237,6 @@
               <a:rPr lang="en-US"/>
               <a:t>Fifth level</a:t>
             </a:r>
-            <a:endParaRPr lang="en-US"/>
           </a:p>
         </p:txBody>
       </p:sp>
@@ -1275,6 +1257,7 @@
           <a:p>
             <a:fld id="{C8A7FE6F-ADB9-414C-8241-589D0BAD450A}" type="datetime1">
               <a:rPr lang="en-US" smtClean="0"/>
+              <a:t>7/27/2023</a:t>
             </a:fld>
             <a:endParaRPr lang="en-US"/>
           </a:p>
@@ -1316,6 +1299,7 @@
           <a:p>
             <a:fld id="{9B618960-8005-486C-9A75-10CB2AAC16F9}" type="slidenum">
               <a:rPr lang="en-US" smtClean="0"/>
+              <a:t>‹#›</a:t>
             </a:fld>
             <a:endParaRPr lang="en-US"/>
           </a:p>
@@ -1374,7 +1358,6 @@
               <a:rPr lang="en-US"/>
               <a:t>Click to edit Master title style</a:t>
             </a:r>
-            <a:endParaRPr lang="en-US"/>
           </a:p>
         </p:txBody>
       </p:sp>
@@ -1494,7 +1477,6 @@
               <a:rPr lang="en-US"/>
               <a:t>Click to edit Master text styles</a:t>
             </a:r>
-            <a:endParaRPr lang="en-US"/>
           </a:p>
         </p:txBody>
       </p:sp>
@@ -1515,6 +1497,7 @@
           <a:p>
             <a:fld id="{04D7FACD-1662-4989-95F4-72B64AE1151F}" type="datetime1">
               <a:rPr lang="en-US" smtClean="0"/>
+              <a:t>7/27/2023</a:t>
             </a:fld>
             <a:endParaRPr lang="en-US"/>
           </a:p>
@@ -1556,6 +1539,7 @@
           <a:p>
             <a:fld id="{9B618960-8005-486C-9A75-10CB2AAC16F9}" type="slidenum">
               <a:rPr lang="en-US" smtClean="0"/>
+              <a:t>‹#›</a:t>
             </a:fld>
             <a:endParaRPr lang="en-US"/>
           </a:p>
@@ -1605,7 +1589,6 @@
               <a:rPr lang="en-US"/>
               <a:t>Click to edit Master title style</a:t>
             </a:r>
-            <a:endParaRPr lang="en-US"/>
           </a:p>
         </p:txBody>
       </p:sp>
@@ -1634,7 +1617,6 @@
               <a:rPr lang="en-US"/>
               <a:t>Click to edit Master text styles</a:t>
             </a:r>
-            <a:endParaRPr lang="en-US"/>
           </a:p>
           <a:p>
             <a:pPr lvl="1"/>
@@ -1642,7 +1624,6 @@
               <a:rPr lang="en-US"/>
               <a:t>Second level</a:t>
             </a:r>
-            <a:endParaRPr lang="en-US"/>
           </a:p>
           <a:p>
             <a:pPr lvl="2"/>
@@ -1650,7 +1631,6 @@
               <a:rPr lang="en-US"/>
               <a:t>Third level</a:t>
             </a:r>
-            <a:endParaRPr lang="en-US"/>
           </a:p>
           <a:p>
             <a:pPr lvl="3"/>
@@ -1658,7 +1638,6 @@
               <a:rPr lang="en-US"/>
               <a:t>Fourth level</a:t>
             </a:r>
-            <a:endParaRPr lang="en-US"/>
           </a:p>
           <a:p>
             <a:pPr lvl="4"/>
@@ -1666,7 +1645,6 @@
               <a:rPr lang="en-US"/>
               <a:t>Fifth level</a:t>
             </a:r>
-            <a:endParaRPr lang="en-US"/>
           </a:p>
         </p:txBody>
       </p:sp>
@@ -1695,7 +1673,6 @@
               <a:rPr lang="en-US"/>
               <a:t>Click to edit Master text styles</a:t>
             </a:r>
-            <a:endParaRPr lang="en-US"/>
           </a:p>
           <a:p>
             <a:pPr lvl="1"/>
@@ -1703,7 +1680,6 @@
               <a:rPr lang="en-US"/>
               <a:t>Second level</a:t>
             </a:r>
-            <a:endParaRPr lang="en-US"/>
           </a:p>
           <a:p>
             <a:pPr lvl="2"/>
@@ -1711,7 +1687,6 @@
               <a:rPr lang="en-US"/>
               <a:t>Third level</a:t>
             </a:r>
-            <a:endParaRPr lang="en-US"/>
           </a:p>
           <a:p>
             <a:pPr lvl="3"/>
@@ -1719,7 +1694,6 @@
               <a:rPr lang="en-US"/>
               <a:t>Fourth level</a:t>
             </a:r>
-            <a:endParaRPr lang="en-US"/>
           </a:p>
           <a:p>
             <a:pPr lvl="4"/>
@@ -1727,7 +1701,6 @@
               <a:rPr lang="en-US"/>
               <a:t>Fifth level</a:t>
             </a:r>
-            <a:endParaRPr lang="en-US"/>
           </a:p>
         </p:txBody>
       </p:sp>
@@ -1748,6 +1721,7 @@
           <a:p>
             <a:fld id="{C1C23379-143D-4500-B664-1D6B8757AED2}" type="datetime1">
               <a:rPr lang="en-US" smtClean="0"/>
+              <a:t>7/27/2023</a:t>
             </a:fld>
             <a:endParaRPr lang="en-US"/>
           </a:p>
@@ -1789,6 +1763,7 @@
           <a:p>
             <a:fld id="{9B618960-8005-486C-9A75-10CB2AAC16F9}" type="slidenum">
               <a:rPr lang="en-US" smtClean="0"/>
+              <a:t>‹#›</a:t>
             </a:fld>
             <a:endParaRPr lang="en-US"/>
           </a:p>
@@ -1843,7 +1818,6 @@
               <a:rPr lang="en-US"/>
               <a:t>Click to edit Master title style</a:t>
             </a:r>
-            <a:endParaRPr lang="en-US"/>
           </a:p>
         </p:txBody>
       </p:sp>
@@ -1909,7 +1883,6 @@
               <a:rPr lang="en-US"/>
               <a:t>Click to edit Master text styles</a:t>
             </a:r>
-            <a:endParaRPr lang="en-US"/>
           </a:p>
         </p:txBody>
       </p:sp>
@@ -1938,7 +1911,6 @@
               <a:rPr lang="en-US"/>
               <a:t>Click to edit Master text styles</a:t>
             </a:r>
-            <a:endParaRPr lang="en-US"/>
           </a:p>
           <a:p>
             <a:pPr lvl="1"/>
@@ -1946,7 +1918,6 @@
               <a:rPr lang="en-US"/>
               <a:t>Second level</a:t>
             </a:r>
-            <a:endParaRPr lang="en-US"/>
           </a:p>
           <a:p>
             <a:pPr lvl="2"/>
@@ -1954,7 +1925,6 @@
               <a:rPr lang="en-US"/>
               <a:t>Third level</a:t>
             </a:r>
-            <a:endParaRPr lang="en-US"/>
           </a:p>
           <a:p>
             <a:pPr lvl="3"/>
@@ -1962,7 +1932,6 @@
               <a:rPr lang="en-US"/>
               <a:t>Fourth level</a:t>
             </a:r>
-            <a:endParaRPr lang="en-US"/>
           </a:p>
           <a:p>
             <a:pPr lvl="4"/>
@@ -1970,7 +1939,6 @@
               <a:rPr lang="en-US"/>
               <a:t>Fifth level</a:t>
             </a:r>
-            <a:endParaRPr lang="en-US"/>
           </a:p>
         </p:txBody>
       </p:sp>
@@ -2036,7 +2004,6 @@
               <a:rPr lang="en-US"/>
               <a:t>Click to edit Master text styles</a:t>
             </a:r>
-            <a:endParaRPr lang="en-US"/>
           </a:p>
         </p:txBody>
       </p:sp>
@@ -2065,7 +2032,6 @@
               <a:rPr lang="en-US"/>
               <a:t>Click to edit Master text styles</a:t>
             </a:r>
-            <a:endParaRPr lang="en-US"/>
           </a:p>
           <a:p>
             <a:pPr lvl="1"/>
@@ -2073,7 +2039,6 @@
               <a:rPr lang="en-US"/>
               <a:t>Second level</a:t>
             </a:r>
-            <a:endParaRPr lang="en-US"/>
           </a:p>
           <a:p>
             <a:pPr lvl="2"/>
@@ -2081,7 +2046,6 @@
               <a:rPr lang="en-US"/>
               <a:t>Third level</a:t>
             </a:r>
-            <a:endParaRPr lang="en-US"/>
           </a:p>
           <a:p>
             <a:pPr lvl="3"/>
@@ -2089,7 +2053,6 @@
               <a:rPr lang="en-US"/>
               <a:t>Fourth level</a:t>
             </a:r>
-            <a:endParaRPr lang="en-US"/>
           </a:p>
           <a:p>
             <a:pPr lvl="4"/>
@@ -2097,7 +2060,6 @@
               <a:rPr lang="en-US"/>
               <a:t>Fifth level</a:t>
             </a:r>
-            <a:endParaRPr lang="en-US"/>
           </a:p>
         </p:txBody>
       </p:sp>
@@ -2118,6 +2080,7 @@
           <a:p>
             <a:fld id="{09F11112-2B71-4956-AC77-8EC0D6AF45D3}" type="datetime1">
               <a:rPr lang="en-US" smtClean="0"/>
+              <a:t>7/27/2023</a:t>
             </a:fld>
             <a:endParaRPr lang="en-US"/>
           </a:p>
@@ -2159,6 +2122,7 @@
           <a:p>
             <a:fld id="{9B618960-8005-486C-9A75-10CB2AAC16F9}" type="slidenum">
               <a:rPr lang="en-US" smtClean="0"/>
+              <a:t>‹#›</a:t>
             </a:fld>
             <a:endParaRPr lang="en-US"/>
           </a:p>
@@ -2208,7 +2172,6 @@
               <a:rPr lang="en-US"/>
               <a:t>Click to edit Master title style</a:t>
             </a:r>
-            <a:endParaRPr lang="en-US"/>
           </a:p>
         </p:txBody>
       </p:sp>
@@ -2229,6 +2192,7 @@
           <a:p>
             <a:fld id="{68F44848-28CD-4D74-A814-7A88BDC9EBE3}" type="datetime1">
               <a:rPr lang="en-US" smtClean="0"/>
+              <a:t>7/27/2023</a:t>
             </a:fld>
             <a:endParaRPr lang="en-US"/>
           </a:p>
@@ -2270,6 +2234,7 @@
           <a:p>
             <a:fld id="{9B618960-8005-486C-9A75-10CB2AAC16F9}" type="slidenum">
               <a:rPr lang="en-US" smtClean="0"/>
+              <a:t>‹#›</a:t>
             </a:fld>
             <a:endParaRPr lang="en-US"/>
           </a:p>
@@ -2317,6 +2282,7 @@
           <a:p>
             <a:fld id="{73393AAC-0EF3-431E-B1A1-DD39CC5F9F1B}" type="datetime1">
               <a:rPr lang="en-US" smtClean="0"/>
+              <a:t>7/27/2023</a:t>
             </a:fld>
             <a:endParaRPr lang="en-US"/>
           </a:p>
@@ -2358,6 +2324,7 @@
           <a:p>
             <a:fld id="{9B618960-8005-486C-9A75-10CB2AAC16F9}" type="slidenum">
               <a:rPr lang="en-US" smtClean="0"/>
+              <a:t>‹#›</a:t>
             </a:fld>
             <a:endParaRPr lang="en-US"/>
           </a:p>
@@ -2416,7 +2383,6 @@
               <a:rPr lang="en-US"/>
               <a:t>Click to edit Master title style</a:t>
             </a:r>
-            <a:endParaRPr lang="en-US"/>
           </a:p>
         </p:txBody>
       </p:sp>
@@ -2473,7 +2439,6 @@
               <a:rPr lang="en-US"/>
               <a:t>Click to edit Master text styles</a:t>
             </a:r>
-            <a:endParaRPr lang="en-US"/>
           </a:p>
           <a:p>
             <a:pPr lvl="1"/>
@@ -2481,7 +2446,6 @@
               <a:rPr lang="en-US"/>
               <a:t>Second level</a:t>
             </a:r>
-            <a:endParaRPr lang="en-US"/>
           </a:p>
           <a:p>
             <a:pPr lvl="2"/>
@@ -2489,7 +2453,6 @@
               <a:rPr lang="en-US"/>
               <a:t>Third level</a:t>
             </a:r>
-            <a:endParaRPr lang="en-US"/>
           </a:p>
           <a:p>
             <a:pPr lvl="3"/>
@@ -2497,7 +2460,6 @@
               <a:rPr lang="en-US"/>
               <a:t>Fourth level</a:t>
             </a:r>
-            <a:endParaRPr lang="en-US"/>
           </a:p>
           <a:p>
             <a:pPr lvl="4"/>
@@ -2505,7 +2467,6 @@
               <a:rPr lang="en-US"/>
               <a:t>Fifth level</a:t>
             </a:r>
-            <a:endParaRPr lang="en-US"/>
           </a:p>
         </p:txBody>
       </p:sp>
@@ -2571,7 +2532,6 @@
               <a:rPr lang="en-US"/>
               <a:t>Click to edit Master text styles</a:t>
             </a:r>
-            <a:endParaRPr lang="en-US"/>
           </a:p>
         </p:txBody>
       </p:sp>
@@ -2592,6 +2552,7 @@
           <a:p>
             <a:fld id="{04E05BEE-3E77-4F1E-B77E-6E1C99440EC3}" type="datetime1">
               <a:rPr lang="en-US" smtClean="0"/>
+              <a:t>7/27/2023</a:t>
             </a:fld>
             <a:endParaRPr lang="en-US"/>
           </a:p>
@@ -2633,6 +2594,7 @@
           <a:p>
             <a:fld id="{9B618960-8005-486C-9A75-10CB2AAC16F9}" type="slidenum">
               <a:rPr lang="en-US" smtClean="0"/>
+              <a:t>‹#›</a:t>
             </a:fld>
             <a:endParaRPr lang="en-US"/>
           </a:p>
@@ -2691,7 +2653,6 @@
               <a:rPr lang="en-US"/>
               <a:t>Click to edit Master title style</a:t>
             </a:r>
-            <a:endParaRPr lang="en-US"/>
           </a:p>
         </p:txBody>
       </p:sp>
@@ -2818,7 +2779,6 @@
               <a:rPr lang="en-US"/>
               <a:t>Click to edit Master text styles</a:t>
             </a:r>
-            <a:endParaRPr lang="en-US"/>
           </a:p>
         </p:txBody>
       </p:sp>
@@ -2839,6 +2799,7 @@
           <a:p>
             <a:fld id="{9C824FCF-A906-42A6-A834-890C5B0C1CAE}" type="datetime1">
               <a:rPr lang="en-US" smtClean="0"/>
+              <a:t>7/27/2023</a:t>
             </a:fld>
             <a:endParaRPr lang="en-US"/>
           </a:p>
@@ -2880,6 +2841,7 @@
           <a:p>
             <a:fld id="{9B618960-8005-486C-9A75-10CB2AAC16F9}" type="slidenum">
               <a:rPr lang="en-US" smtClean="0"/>
+              <a:t>‹#›</a:t>
             </a:fld>
             <a:endParaRPr lang="en-US"/>
           </a:p>
@@ -2944,7 +2906,6 @@
               <a:rPr lang="en-US"/>
               <a:t>Click to edit Master title style</a:t>
             </a:r>
-            <a:endParaRPr lang="en-US"/>
           </a:p>
         </p:txBody>
       </p:sp>
@@ -2978,7 +2939,6 @@
               <a:rPr lang="en-US"/>
               <a:t>Click to edit Master text styles</a:t>
             </a:r>
-            <a:endParaRPr lang="en-US"/>
           </a:p>
           <a:p>
             <a:pPr lvl="1"/>
@@ -2986,7 +2946,6 @@
               <a:rPr lang="en-US"/>
               <a:t>Second level</a:t>
             </a:r>
-            <a:endParaRPr lang="en-US"/>
           </a:p>
           <a:p>
             <a:pPr lvl="2"/>
@@ -2994,7 +2953,6 @@
               <a:rPr lang="en-US"/>
               <a:t>Third level</a:t>
             </a:r>
-            <a:endParaRPr lang="en-US"/>
           </a:p>
           <a:p>
             <a:pPr lvl="3"/>
@@ -3002,7 +2960,6 @@
               <a:rPr lang="en-US"/>
               <a:t>Fourth level</a:t>
             </a:r>
-            <a:endParaRPr lang="en-US"/>
           </a:p>
           <a:p>
             <a:pPr lvl="4"/>
@@ -3010,7 +2967,6 @@
               <a:rPr lang="en-US"/>
               <a:t>Fifth level</a:t>
             </a:r>
-            <a:endParaRPr lang="en-US"/>
           </a:p>
         </p:txBody>
       </p:sp>
@@ -3049,6 +3005,7 @@
           <a:p>
             <a:fld id="{5328E1F0-75D6-453A-8894-70B8E6E02ADB}" type="datetime1">
               <a:rPr lang="en-US" smtClean="0"/>
+              <a:t>7/27/2023</a:t>
             </a:fld>
             <a:endParaRPr lang="en-US"/>
           </a:p>
@@ -3126,6 +3083,7 @@
           <a:p>
             <a:fld id="{9B618960-8005-486C-9A75-10CB2AAC16F9}" type="slidenum">
               <a:rPr lang="en-US" smtClean="0"/>
+              <a:t>‹#›</a:t>
             </a:fld>
             <a:endParaRPr lang="en-US"/>
           </a:p>
@@ -3456,7 +3414,7 @@
           <p:nvPr/>
         </p:nvPicPr>
         <p:blipFill>
-          <a:blip r:embed="rId1" cstate="print"/>
+          <a:blip r:embed="rId2" cstate="print"/>
           <a:stretch>
             <a:fillRect/>
           </a:stretch>
@@ -3520,186 +3478,6 @@
               </a:rPr>
               <a:t>Deployment</a:t>
             </a:r>
-            <a:endParaRPr lang="en-US" sz="4000" dirty="0">
-              <a:solidFill>
-                <a:srgbClr val="171717"/>
-              </a:solidFill>
-            </a:endParaRPr>
-          </a:p>
-        </p:txBody>
-      </p:sp>
-    </p:spTree>
-  </p:cSld>
-  <p:clrMapOvr>
-    <a:masterClrMapping/>
-  </p:clrMapOvr>
-</p:sld>
-</file>
-
-<file path=ppt/slides/slide10.xml><?xml version="1.0" encoding="utf-8"?>
-<p:sld xmlns:a="http://schemas.openxmlformats.org/drawingml/2006/main" xmlns:r="http://schemas.openxmlformats.org/officeDocument/2006/relationships" xmlns:p="http://schemas.openxmlformats.org/presentationml/2006/main">
-  <p:cSld>
-    <p:spTree>
-      <p:nvGrpSpPr>
-        <p:cNvPr id="1" name=""/>
-        <p:cNvGrpSpPr/>
-        <p:nvPr/>
-      </p:nvGrpSpPr>
-      <p:grpSpPr>
-        <a:xfrm>
-          <a:off x="0" y="0"/>
-          <a:ext cx="0" cy="0"/>
-          <a:chOff x="0" y="0"/>
-          <a:chExt cx="0" cy="0"/>
-        </a:xfrm>
-      </p:grpSpPr>
-      <p:pic>
-        <p:nvPicPr>
-          <p:cNvPr id="2" name="object 2"/>
-          <p:cNvPicPr/>
-          <p:nvPr/>
-        </p:nvPicPr>
-        <p:blipFill>
-          <a:blip r:embed="rId1" cstate="print"/>
-          <a:stretch>
-            <a:fillRect/>
-          </a:stretch>
-        </p:blipFill>
-        <p:spPr>
-          <a:xfrm>
-            <a:off x="0" y="0"/>
-            <a:ext cx="4635500" cy="6857999"/>
-          </a:xfrm>
-          <a:prstGeom prst="rect">
-            <a:avLst/>
-          </a:prstGeom>
-        </p:spPr>
-      </p:pic>
-      <p:sp>
-        <p:nvSpPr>
-          <p:cNvPr id="3" name="object 3"/>
-          <p:cNvSpPr txBox="1"/>
-          <p:nvPr/>
-        </p:nvSpPr>
-        <p:spPr>
-          <a:xfrm>
-            <a:off x="1703917" y="1907709"/>
-            <a:ext cx="1220893" cy="561975"/>
-          </a:xfrm>
-          <a:prstGeom prst="rect">
-            <a:avLst/>
-          </a:prstGeom>
-        </p:spPr>
-        <p:txBody>
-          <a:bodyPr vert="horz" wrap="square" lIns="0" tIns="8466" rIns="0" bIns="0" rtlCol="0">
-            <a:spAutoFit/>
-          </a:bodyPr>
-          <a:lstStyle/>
-          <a:p>
-            <a:pPr marL="12700">
-              <a:lnSpc>
-                <a:spcPct val="100000"/>
-              </a:lnSpc>
-              <a:spcBef>
-                <a:spcPts val="100"/>
-              </a:spcBef>
-            </a:pPr>
-            <a:r>
-              <a:rPr sz="3600" spc="-80" dirty="0">
-                <a:solidFill>
-                  <a:srgbClr val="FFFFFF"/>
-                </a:solidFill>
-                <a:latin typeface="Microsoft Sans Serif" panose="020B0604020202020204"/>
-                <a:cs typeface="Microsoft Sans Serif" panose="020B0604020202020204"/>
-              </a:rPr>
-              <a:t>De</a:t>
-            </a:r>
-            <a:r>
-              <a:rPr sz="3600" spc="-105" dirty="0">
-                <a:solidFill>
-                  <a:srgbClr val="FFFFFF"/>
-                </a:solidFill>
-                <a:latin typeface="Microsoft Sans Serif" panose="020B0604020202020204"/>
-                <a:cs typeface="Microsoft Sans Serif" panose="020B0604020202020204"/>
-              </a:rPr>
-              <a:t>m</a:t>
-            </a:r>
-            <a:r>
-              <a:rPr sz="3600" spc="50" dirty="0">
-                <a:solidFill>
-                  <a:srgbClr val="FFFFFF"/>
-                </a:solidFill>
-                <a:latin typeface="Microsoft Sans Serif" panose="020B0604020202020204"/>
-                <a:cs typeface="Microsoft Sans Serif" panose="020B0604020202020204"/>
-              </a:rPr>
-              <a:t>o</a:t>
-            </a:r>
-            <a:endParaRPr sz="3600">
-              <a:latin typeface="Microsoft Sans Serif" panose="020B0604020202020204"/>
-              <a:cs typeface="Microsoft Sans Serif" panose="020B0604020202020204"/>
-            </a:endParaRPr>
-          </a:p>
-        </p:txBody>
-      </p:sp>
-      <p:sp>
-        <p:nvSpPr>
-          <p:cNvPr id="4" name="object 4"/>
-          <p:cNvSpPr txBox="1"/>
-          <p:nvPr/>
-        </p:nvSpPr>
-        <p:spPr>
-          <a:xfrm>
-            <a:off x="4735195" y="1999615"/>
-            <a:ext cx="7348855" cy="993140"/>
-          </a:xfrm>
-          <a:prstGeom prst="rect">
-            <a:avLst/>
-          </a:prstGeom>
-        </p:spPr>
-        <p:txBody>
-          <a:bodyPr vert="horz" wrap="square" lIns="0" tIns="8466" rIns="0" bIns="0" rtlCol="0">
-            <a:spAutoFit/>
-          </a:bodyPr>
-          <a:lstStyle/>
-          <a:p>
-            <a:r>
-              <a:rPr lang="en-US" sz="3200" b="1">
-                <a:solidFill>
-                  <a:srgbClr val="00B0F0"/>
-                </a:solidFill>
-                <a:sym typeface="+mn-ea"/>
-              </a:rPr>
-              <a:t>Use ngrx store with Angular to perform basic CRUD operations</a:t>
-            </a:r>
-            <a:endParaRPr lang="en-US" sz="3200">
-              <a:solidFill>
-                <a:srgbClr val="00B0F0"/>
-              </a:solidFill>
-              <a:latin typeface="Arial" panose="020B0604020202020204"/>
-              <a:cs typeface="Arial" panose="020B0604020202020204"/>
-              <a:sym typeface="+mn-ea"/>
-            </a:endParaRPr>
-          </a:p>
-        </p:txBody>
-      </p:sp>
-      <p:sp>
-        <p:nvSpPr>
-          <p:cNvPr id="5" name="Slide Number Placeholder 4"/>
-          <p:cNvSpPr>
-            <a:spLocks noGrp="1"/>
-          </p:cNvSpPr>
-          <p:nvPr>
-            <p:ph type="sldNum" sz="quarter" idx="12"/>
-          </p:nvPr>
-        </p:nvSpPr>
-        <p:spPr/>
-        <p:txBody>
-          <a:bodyPr/>
-          <a:p>
-            <a:fld id="{B6F15528-21DE-4FAA-801E-634DDDAF4B2B}" type="slidenum">
-              <a:rPr sz="800"/>
-            </a:fld>
-            <a:endParaRPr sz="800"/>
           </a:p>
         </p:txBody>
       </p:sp>
@@ -3720,7 +3498,14 @@
         <p:cNvGrpSpPr/>
         <p:nvPr/>
       </p:nvGrpSpPr>
-      <p:grpSpPr/>
+      <p:grpSpPr>
+        <a:xfrm>
+          <a:off x="0" y="0"/>
+          <a:ext cx="0" cy="0"/>
+          <a:chOff x="0" y="0"/>
+          <a:chExt cx="0" cy="0"/>
+        </a:xfrm>
+      </p:grpSpPr>
       <p:sp>
         <p:nvSpPr>
           <p:cNvPr id="8" name="Title 7"/>
@@ -3734,6 +3519,7 @@
         <p:spPr/>
         <p:txBody>
           <a:bodyPr/>
+          <a:lstStyle/>
           <a:p>
             <a:endParaRPr lang="en-US"/>
           </a:p>
@@ -3752,9 +3538,11 @@
         <p:spPr/>
         <p:txBody>
           <a:bodyPr/>
+          <a:lstStyle/>
           <a:p>
             <a:fld id="{9B618960-8005-486C-9A75-10CB2AAC16F9}" type="slidenum">
               <a:rPr lang="en-US" smtClean="0"/>
+              <a:t>2</a:t>
             </a:fld>
             <a:endParaRPr lang="en-US"/>
           </a:p>
@@ -3764,14 +3552,14 @@
         <p:nvPicPr>
           <p:cNvPr id="7" name="Content Placeholder 6"/>
           <p:cNvPicPr>
-            <a:picLocks noChangeAspect="1"/>
+            <a:picLocks noGrp="1" noChangeAspect="1"/>
           </p:cNvPicPr>
           <p:nvPr>
             <p:ph idx="1"/>
           </p:nvPr>
         </p:nvPicPr>
         <p:blipFill>
-          <a:blip r:embed="rId1"/>
+          <a:blip r:embed="rId2"/>
           <a:stretch>
             <a:fillRect/>
           </a:stretch>
@@ -3818,7 +3606,7 @@
           <p:nvPr/>
         </p:nvPicPr>
         <p:blipFill>
-          <a:blip r:embed="rId1" cstate="print"/>
+          <a:blip r:embed="rId2" cstate="print"/>
           <a:stretch>
             <a:fillRect/>
           </a:stretch>
@@ -3929,12 +3717,6 @@
               </a:rPr>
               <a:t>Deploy an Angular App to GitHub Pages (gh-pages)</a:t>
             </a:r>
-            <a:endParaRPr lang="en-US" sz="2400" b="1">
-              <a:solidFill>
-                <a:srgbClr val="00B0F0"/>
-              </a:solidFill>
-              <a:sym typeface="+mn-ea"/>
-            </a:endParaRPr>
           </a:p>
         </p:txBody>
       </p:sp>
@@ -3951,9 +3733,11 @@
         <p:spPr/>
         <p:txBody>
           <a:bodyPr/>
+          <a:lstStyle/>
           <a:p>
             <a:fld id="{B6F15528-21DE-4FAA-801E-634DDDAF4B2B}" type="slidenum">
               <a:rPr sz="800"/>
+              <a:t>3</a:t>
             </a:fld>
             <a:endParaRPr sz="800"/>
           </a:p>
@@ -3976,7 +3760,14 @@
         <p:cNvGrpSpPr/>
         <p:nvPr/>
       </p:nvGrpSpPr>
-      <p:grpSpPr/>
+      <p:grpSpPr>
+        <a:xfrm>
+          <a:off x="0" y="0"/>
+          <a:ext cx="0" cy="0"/>
+          <a:chOff x="0" y="0"/>
+          <a:chExt cx="0" cy="0"/>
+        </a:xfrm>
+      </p:grpSpPr>
       <p:sp>
         <p:nvSpPr>
           <p:cNvPr id="2" name="Title 1"/>
@@ -3990,6 +3781,7 @@
         <p:spPr/>
         <p:txBody>
           <a:bodyPr/>
+          <a:lstStyle/>
           <a:p>
             <a:endParaRPr lang="en-US"/>
           </a:p>
@@ -4008,9 +3800,11 @@
         <p:spPr/>
         <p:txBody>
           <a:bodyPr/>
+          <a:lstStyle/>
           <a:p>
             <a:fld id="{9B618960-8005-486C-9A75-10CB2AAC16F9}" type="slidenum">
               <a:rPr lang="en-US" smtClean="0"/>
+              <a:t>4</a:t>
             </a:fld>
             <a:endParaRPr lang="en-US"/>
           </a:p>
@@ -4020,14 +3814,14 @@
         <p:nvPicPr>
           <p:cNvPr id="5" name="Content Placeholder 4"/>
           <p:cNvPicPr>
-            <a:picLocks noChangeAspect="1"/>
+            <a:picLocks noGrp="1" noChangeAspect="1"/>
           </p:cNvPicPr>
           <p:nvPr>
             <p:ph idx="1"/>
           </p:nvPr>
         </p:nvPicPr>
         <p:blipFill>
-          <a:blip r:embed="rId1"/>
+          <a:blip r:embed="rId2"/>
           <a:stretch>
             <a:fillRect/>
           </a:stretch>
@@ -4062,6 +3856,7 @@
           <a:bodyPr wrap="square" rtlCol="0">
             <a:spAutoFit/>
           </a:bodyPr>
+          <a:lstStyle/>
           <a:p>
             <a:r>
               <a:rPr lang="en-US" sz="3200" b="1"/>
@@ -4073,7 +3868,7 @@
             </a:r>
             <a:r>
               <a:rPr lang="en-US" sz="3200">
-                <a:hlinkClick r:id="rId2" tooltip="" action="ppaction://hlinkfile"/>
+                <a:hlinkClick r:id="rId3" action="ppaction://hlinkfile"/>
               </a:rPr>
               <a:t>https://angular.io/guide/aot-compiler</a:t>
             </a:r>
@@ -4098,7 +3893,42 @@
         <p:cNvGrpSpPr/>
         <p:nvPr/>
       </p:nvGrpSpPr>
-      <p:grpSpPr/>
+      <p:grpSpPr>
+        <a:xfrm>
+          <a:off x="0" y="0"/>
+          <a:ext cx="0" cy="0"/>
+          <a:chOff x="0" y="0"/>
+          <a:chExt cx="0" cy="0"/>
+        </a:xfrm>
+      </p:grpSpPr>
+      <p:sp>
+        <p:nvSpPr>
+          <p:cNvPr id="2" name="Title 1"/>
+          <p:cNvSpPr>
+            <a:spLocks noGrp="1"/>
+          </p:cNvSpPr>
+          <p:nvPr>
+            <p:ph type="title"/>
+          </p:nvPr>
+        </p:nvSpPr>
+        <p:spPr>
+          <a:xfrm>
+            <a:off x="838200" y="107315"/>
+            <a:ext cx="10515600" cy="1325563"/>
+          </a:xfrm>
+        </p:spPr>
+        <p:txBody>
+          <a:bodyPr/>
+          <a:lstStyle/>
+          <a:p>
+            <a:pPr algn="ctr"/>
+            <a:r>
+              <a:rPr lang="en-US"/>
+              <a:t>Angular Bundling</a:t>
+            </a:r>
+          </a:p>
+        </p:txBody>
+      </p:sp>
       <p:sp>
         <p:nvSpPr>
           <p:cNvPr id="4" name="Slide Number Placeholder 3"/>
@@ -4112,9 +3942,11 @@
         <p:spPr/>
         <p:txBody>
           <a:bodyPr/>
+          <a:lstStyle/>
           <a:p>
             <a:fld id="{9B618960-8005-486C-9A75-10CB2AAC16F9}" type="slidenum">
               <a:rPr lang="en-US" smtClean="0"/>
+              <a:t>5</a:t>
             </a:fld>
             <a:endParaRPr lang="en-US"/>
           </a:p>
@@ -4122,24 +3954,24 @@
       </p:sp>
       <p:pic>
         <p:nvPicPr>
-          <p:cNvPr id="5" name="Content Placeholder 4"/>
+          <p:cNvPr id="6" name="Content Placeholder 5"/>
           <p:cNvPicPr>
-            <a:picLocks noChangeAspect="1"/>
+            <a:picLocks noGrp="1" noChangeAspect="1"/>
           </p:cNvPicPr>
           <p:nvPr>
             <p:ph idx="1"/>
           </p:nvPr>
         </p:nvPicPr>
         <p:blipFill>
-          <a:blip r:embed="rId1"/>
+          <a:blip r:embed="rId2"/>
           <a:stretch>
             <a:fillRect/>
           </a:stretch>
         </p:blipFill>
         <p:spPr>
           <a:xfrm>
-            <a:off x="769620" y="387985"/>
-            <a:ext cx="10371455" cy="5789930"/>
+            <a:off x="1696085" y="1915160"/>
+            <a:ext cx="9324975" cy="4441190"/>
           </a:xfrm>
           <a:prstGeom prst="rect">
             <a:avLst/>
@@ -4171,22 +4003,77 @@
           <a:chExt cx="0" cy="0"/>
         </a:xfrm>
       </p:grpSpPr>
+      <p:sp>
+        <p:nvSpPr>
+          <p:cNvPr id="2" name="Title 1"/>
+          <p:cNvSpPr>
+            <a:spLocks noGrp="1"/>
+          </p:cNvSpPr>
+          <p:nvPr>
+            <p:ph type="title"/>
+          </p:nvPr>
+        </p:nvSpPr>
+        <p:spPr>
+          <a:xfrm>
+            <a:off x="838200" y="107315"/>
+            <a:ext cx="10515600" cy="1325563"/>
+          </a:xfrm>
+        </p:spPr>
+        <p:txBody>
+          <a:bodyPr/>
+          <a:lstStyle/>
+          <a:p>
+            <a:pPr algn="ctr"/>
+            <a:r>
+              <a:rPr lang="en-US"/>
+              <a:t>Angular Bundling</a:t>
+            </a:r>
+          </a:p>
+        </p:txBody>
+      </p:sp>
+      <p:sp>
+        <p:nvSpPr>
+          <p:cNvPr id="4" name="Slide Number Placeholder 3"/>
+          <p:cNvSpPr>
+            <a:spLocks noGrp="1"/>
+          </p:cNvSpPr>
+          <p:nvPr>
+            <p:ph type="sldNum" sz="quarter" idx="12"/>
+          </p:nvPr>
+        </p:nvSpPr>
+        <p:spPr/>
+        <p:txBody>
+          <a:bodyPr/>
+          <a:lstStyle/>
+          <a:p>
+            <a:fld id="{9B618960-8005-486C-9A75-10CB2AAC16F9}" type="slidenum">
+              <a:rPr lang="en-US" smtClean="0"/>
+              <a:t>6</a:t>
+            </a:fld>
+            <a:endParaRPr lang="en-US"/>
+          </a:p>
+        </p:txBody>
+      </p:sp>
       <p:pic>
         <p:nvPicPr>
-          <p:cNvPr id="2" name="object 2"/>
-          <p:cNvPicPr/>
-          <p:nvPr/>
+          <p:cNvPr id="5" name="Content Placeholder 4"/>
+          <p:cNvPicPr>
+            <a:picLocks noGrp="1" noChangeAspect="1"/>
+          </p:cNvPicPr>
+          <p:nvPr>
+            <p:ph idx="1"/>
+          </p:nvPr>
         </p:nvPicPr>
         <p:blipFill>
-          <a:blip r:embed="rId1" cstate="print"/>
+          <a:blip r:embed="rId2"/>
           <a:stretch>
             <a:fillRect/>
           </a:stretch>
         </p:blipFill>
         <p:spPr>
           <a:xfrm>
-            <a:off x="0" y="0"/>
-            <a:ext cx="4635500" cy="6857999"/>
+            <a:off x="2731770" y="1704975"/>
+            <a:ext cx="7198360" cy="4584065"/>
           </a:xfrm>
           <a:prstGeom prst="rect">
             <a:avLst/>
@@ -4195,127 +4082,71 @@
       </p:pic>
       <p:sp>
         <p:nvSpPr>
-          <p:cNvPr id="3" name="object 3"/>
+          <p:cNvPr id="7" name="Text Box 6"/>
           <p:cNvSpPr txBox="1"/>
           <p:nvPr/>
         </p:nvSpPr>
         <p:spPr>
           <a:xfrm>
-            <a:off x="1703917" y="1907709"/>
-            <a:ext cx="1220893" cy="561975"/>
+            <a:off x="3152140" y="1107440"/>
+            <a:ext cx="6356985" cy="583565"/>
           </a:xfrm>
           <a:prstGeom prst="rect">
             <a:avLst/>
           </a:prstGeom>
+          <a:noFill/>
         </p:spPr>
         <p:txBody>
-          <a:bodyPr vert="horz" wrap="square" lIns="0" tIns="8466" rIns="0" bIns="0" rtlCol="0">
+          <a:bodyPr wrap="square" rtlCol="0">
             <a:spAutoFit/>
           </a:bodyPr>
           <a:lstStyle/>
           <a:p>
-            <a:pPr marL="12700">
-              <a:lnSpc>
-                <a:spcPct val="100000"/>
-              </a:lnSpc>
-              <a:spcBef>
-                <a:spcPts val="100"/>
-              </a:spcBef>
-            </a:pPr>
-            <a:r>
-              <a:rPr sz="3600" spc="-80" dirty="0">
-                <a:solidFill>
-                  <a:srgbClr val="FFFFFF"/>
-                </a:solidFill>
-                <a:latin typeface="Microsoft Sans Serif" panose="020B0604020202020204"/>
-                <a:cs typeface="Microsoft Sans Serif" panose="020B0604020202020204"/>
-              </a:rPr>
-              <a:t>De</a:t>
-            </a:r>
-            <a:r>
-              <a:rPr sz="3600" spc="-105" dirty="0">
-                <a:solidFill>
-                  <a:srgbClr val="FFFFFF"/>
-                </a:solidFill>
-                <a:latin typeface="Microsoft Sans Serif" panose="020B0604020202020204"/>
-                <a:cs typeface="Microsoft Sans Serif" panose="020B0604020202020204"/>
-              </a:rPr>
-              <a:t>m</a:t>
-            </a:r>
-            <a:r>
-              <a:rPr sz="3600" spc="50" dirty="0">
-                <a:solidFill>
-                  <a:srgbClr val="FFFFFF"/>
-                </a:solidFill>
-                <a:latin typeface="Microsoft Sans Serif" panose="020B0604020202020204"/>
-                <a:cs typeface="Microsoft Sans Serif" panose="020B0604020202020204"/>
-              </a:rPr>
-              <a:t>o</a:t>
-            </a:r>
-            <a:endParaRPr sz="3600">
-              <a:latin typeface="Microsoft Sans Serif" panose="020B0604020202020204"/>
-              <a:cs typeface="Microsoft Sans Serif" panose="020B0604020202020204"/>
-            </a:endParaRPr>
-          </a:p>
-        </p:txBody>
-      </p:sp>
-      <p:sp>
-        <p:nvSpPr>
-          <p:cNvPr id="4" name="object 4"/>
+            <a:pPr algn="ctr"/>
+            <a:r>
+              <a:rPr lang="en-US" sz="3200"/>
+              <a:t>Contents of dist folder</a:t>
+            </a:r>
+          </a:p>
+        </p:txBody>
+      </p:sp>
+      <p:sp>
+        <p:nvSpPr>
+          <p:cNvPr id="8" name="Text Box 7"/>
           <p:cNvSpPr txBox="1"/>
           <p:nvPr/>
         </p:nvSpPr>
         <p:spPr>
           <a:xfrm>
-            <a:off x="4735195" y="1999615"/>
-            <a:ext cx="7348855" cy="377190"/>
+            <a:off x="382905" y="6284595"/>
+            <a:ext cx="6666230" cy="398780"/>
           </a:xfrm>
           <a:prstGeom prst="rect">
             <a:avLst/>
           </a:prstGeom>
+          <a:noFill/>
         </p:spPr>
         <p:txBody>
-          <a:bodyPr vert="horz" wrap="square" lIns="0" tIns="8466" rIns="0" bIns="0" rtlCol="0">
+          <a:bodyPr wrap="square" rtlCol="0">
             <a:spAutoFit/>
           </a:bodyPr>
           <a:lstStyle/>
           <a:p>
             <a:r>
-              <a:rPr lang="en-US" sz="2400" b="1">
-                <a:solidFill>
-                  <a:srgbClr val="00B0F0"/>
-                </a:solidFill>
-                <a:sym typeface="+mn-ea"/>
+              <a:rPr lang="en-US" sz="2000" b="1"/>
+              <a:t>Reference</a:t>
+            </a:r>
+            <a:r>
+              <a:rPr lang="en-US" sz="2000"/>
+              <a:t>: </a:t>
+            </a:r>
+            <a:r>
+              <a:rPr lang="en-US" sz="2000">
+                <a:hlinkClick r:id="rId3" action="ppaction://hlinkfile"/>
               </a:rPr>
-              <a:t> Angular Tree Shaking</a:t>
-            </a:r>
-            <a:endParaRPr lang="en-US" sz="2400" b="1">
-              <a:solidFill>
-                <a:srgbClr val="00B0F0"/>
-              </a:solidFill>
-              <a:sym typeface="+mn-ea"/>
-            </a:endParaRPr>
-          </a:p>
-        </p:txBody>
-      </p:sp>
-      <p:sp>
-        <p:nvSpPr>
-          <p:cNvPr id="5" name="Slide Number Placeholder 4"/>
-          <p:cNvSpPr>
-            <a:spLocks noGrp="1"/>
-          </p:cNvSpPr>
-          <p:nvPr>
-            <p:ph type="sldNum" sz="quarter" idx="12"/>
-          </p:nvPr>
-        </p:nvSpPr>
-        <p:spPr/>
-        <p:txBody>
-          <a:bodyPr/>
-          <a:p>
-            <a:fld id="{B6F15528-21DE-4FAA-801E-634DDDAF4B2B}" type="slidenum">
-              <a:rPr sz="800"/>
-            </a:fld>
-            <a:endParaRPr sz="800"/>
+              <a:t>https://angular.io/guide/build</a:t>
+            </a:r>
+            <a:endParaRPr lang="en-US" sz="2000"/>
           </a:p>
         </p:txBody>
       </p:sp>
@@ -4336,7 +4167,14 @@
         <p:cNvGrpSpPr/>
         <p:nvPr/>
       </p:nvGrpSpPr>
-      <p:grpSpPr/>
+      <p:grpSpPr>
+        <a:xfrm>
+          <a:off x="0" y="0"/>
+          <a:ext cx="0" cy="0"/>
+          <a:chOff x="0" y="0"/>
+          <a:chExt cx="0" cy="0"/>
+        </a:xfrm>
+      </p:grpSpPr>
       <p:sp>
         <p:nvSpPr>
           <p:cNvPr id="2" name="Title 1"/>
@@ -4347,21 +4185,16 @@
             <p:ph type="title"/>
           </p:nvPr>
         </p:nvSpPr>
-        <p:spPr>
-          <a:xfrm>
-            <a:off x="838200" y="107315"/>
-            <a:ext cx="10515600" cy="1325563"/>
-          </a:xfrm>
-        </p:spPr>
-        <p:txBody>
-          <a:bodyPr/>
+        <p:spPr/>
+        <p:txBody>
+          <a:bodyPr/>
+          <a:lstStyle/>
           <a:p>
             <a:pPr algn="ctr"/>
             <a:r>
               <a:rPr lang="en-US"/>
-              <a:t>Angular Bundling</a:t>
-            </a:r>
-            <a:endParaRPr lang="en-US"/>
+              <a:t>NGRX – Store, Effects</a:t>
+            </a:r>
           </a:p>
         </p:txBody>
       </p:sp>
@@ -4378,9 +4211,11 @@
         <p:spPr/>
         <p:txBody>
           <a:bodyPr/>
+          <a:lstStyle/>
           <a:p>
             <a:fld id="{9B618960-8005-486C-9A75-10CB2AAC16F9}" type="slidenum">
               <a:rPr lang="en-US" smtClean="0"/>
+              <a:t>7</a:t>
             </a:fld>
             <a:endParaRPr lang="en-US"/>
           </a:p>
@@ -4388,24 +4223,24 @@
       </p:sp>
       <p:pic>
         <p:nvPicPr>
-          <p:cNvPr id="6" name="Content Placeholder 5"/>
+          <p:cNvPr id="5" name="Content Placeholder 4"/>
           <p:cNvPicPr>
-            <a:picLocks noChangeAspect="1"/>
+            <a:picLocks noGrp="1" noChangeAspect="1"/>
           </p:cNvPicPr>
           <p:nvPr>
             <p:ph idx="1"/>
           </p:nvPr>
         </p:nvPicPr>
         <p:blipFill>
-          <a:blip r:embed="rId1"/>
+          <a:blip r:embed="rId2"/>
           <a:stretch>
             <a:fillRect/>
           </a:stretch>
         </p:blipFill>
         <p:spPr>
           <a:xfrm>
-            <a:off x="1696085" y="1915160"/>
-            <a:ext cx="9324975" cy="4441190"/>
+            <a:off x="1142365" y="1856105"/>
+            <a:ext cx="9906000" cy="3602355"/>
           </a:xfrm>
           <a:prstGeom prst="rect">
             <a:avLst/>
@@ -4429,76 +4264,30 @@
         <p:cNvGrpSpPr/>
         <p:nvPr/>
       </p:nvGrpSpPr>
-      <p:grpSpPr/>
-      <p:sp>
-        <p:nvSpPr>
-          <p:cNvPr id="2" name="Title 1"/>
-          <p:cNvSpPr>
-            <a:spLocks noGrp="1"/>
-          </p:cNvSpPr>
-          <p:nvPr>
-            <p:ph type="title"/>
-          </p:nvPr>
-        </p:nvSpPr>
-        <p:spPr>
-          <a:xfrm>
-            <a:off x="838200" y="107315"/>
-            <a:ext cx="10515600" cy="1325563"/>
-          </a:xfrm>
-        </p:spPr>
-        <p:txBody>
-          <a:bodyPr/>
-          <a:p>
-            <a:pPr algn="ctr"/>
-            <a:r>
-              <a:rPr lang="en-US"/>
-              <a:t>Angular Bundling</a:t>
-            </a:r>
-            <a:endParaRPr lang="en-US"/>
-          </a:p>
-        </p:txBody>
-      </p:sp>
-      <p:sp>
-        <p:nvSpPr>
-          <p:cNvPr id="4" name="Slide Number Placeholder 3"/>
-          <p:cNvSpPr>
-            <a:spLocks noGrp="1"/>
-          </p:cNvSpPr>
-          <p:nvPr>
-            <p:ph type="sldNum" sz="quarter" idx="12"/>
-          </p:nvPr>
-        </p:nvSpPr>
-        <p:spPr/>
-        <p:txBody>
-          <a:bodyPr/>
-          <a:p>
-            <a:fld id="{9B618960-8005-486C-9A75-10CB2AAC16F9}" type="slidenum">
-              <a:rPr lang="en-US" smtClean="0"/>
-            </a:fld>
-            <a:endParaRPr lang="en-US"/>
-          </a:p>
-        </p:txBody>
-      </p:sp>
+      <p:grpSpPr>
+        <a:xfrm>
+          <a:off x="0" y="0"/>
+          <a:ext cx="0" cy="0"/>
+          <a:chOff x="0" y="0"/>
+          <a:chExt cx="0" cy="0"/>
+        </a:xfrm>
+      </p:grpSpPr>
       <p:pic>
         <p:nvPicPr>
-          <p:cNvPr id="5" name="Content Placeholder 4"/>
-          <p:cNvPicPr>
-            <a:picLocks noChangeAspect="1"/>
-          </p:cNvPicPr>
-          <p:nvPr>
-            <p:ph idx="1"/>
-          </p:nvPr>
+          <p:cNvPr id="2" name="object 2"/>
+          <p:cNvPicPr/>
+          <p:nvPr/>
         </p:nvPicPr>
         <p:blipFill>
-          <a:blip r:embed="rId1"/>
+          <a:blip r:embed="rId2" cstate="print"/>
           <a:stretch>
             <a:fillRect/>
           </a:stretch>
         </p:blipFill>
         <p:spPr>
           <a:xfrm>
-            <a:off x="2731770" y="1704975"/>
-            <a:ext cx="7198360" cy="4584065"/>
+            <a:off x="0" y="0"/>
+            <a:ext cx="4635500" cy="6857999"/>
           </a:xfrm>
           <a:prstGeom prst="rect">
             <a:avLst/>
@@ -4507,161 +4296,134 @@
       </p:pic>
       <p:sp>
         <p:nvSpPr>
-          <p:cNvPr id="7" name="Text Box 6"/>
+          <p:cNvPr id="3" name="object 3"/>
           <p:cNvSpPr txBox="1"/>
           <p:nvPr/>
         </p:nvSpPr>
         <p:spPr>
           <a:xfrm>
-            <a:off x="3152140" y="1107440"/>
-            <a:ext cx="6356985" cy="583565"/>
-          </a:xfrm>
-          <a:prstGeom prst="rect">
-            <a:avLst/>
-          </a:prstGeom>
-          <a:noFill/>
-        </p:spPr>
-        <p:txBody>
-          <a:bodyPr wrap="square" rtlCol="0">
-            <a:spAutoFit/>
-          </a:bodyPr>
-          <a:p>
-            <a:pPr algn="ctr"/>
-            <a:r>
-              <a:rPr lang="en-US" sz="3200"/>
-              <a:t>Contents of dist folder</a:t>
-            </a:r>
-            <a:endParaRPr lang="en-US" sz="3200"/>
-          </a:p>
-        </p:txBody>
-      </p:sp>
-      <p:sp>
-        <p:nvSpPr>
-          <p:cNvPr id="8" name="Text Box 7"/>
-          <p:cNvSpPr txBox="1"/>
-          <p:nvPr/>
-        </p:nvSpPr>
-        <p:spPr>
-          <a:xfrm>
-            <a:off x="382905" y="6284595"/>
-            <a:ext cx="6666230" cy="398780"/>
-          </a:xfrm>
-          <a:prstGeom prst="rect">
-            <a:avLst/>
-          </a:prstGeom>
-          <a:noFill/>
-        </p:spPr>
-        <p:txBody>
-          <a:bodyPr wrap="square" rtlCol="0">
-            <a:spAutoFit/>
-          </a:bodyPr>
-          <a:p>
-            <a:r>
-              <a:rPr lang="en-US" sz="2000" b="1"/>
-              <a:t>Reference</a:t>
-            </a:r>
-            <a:r>
-              <a:rPr lang="en-US" sz="2000"/>
-              <a:t>: </a:t>
-            </a:r>
-            <a:r>
-              <a:rPr lang="en-US" sz="2000">
-                <a:hlinkClick r:id="rId2" tooltip="" action="ppaction://hlinkfile"/>
-              </a:rPr>
-              <a:t>https://angular.io/guide/build</a:t>
-            </a:r>
-            <a:endParaRPr lang="en-US" sz="2000"/>
-          </a:p>
-        </p:txBody>
-      </p:sp>
-    </p:spTree>
-  </p:cSld>
-  <p:clrMapOvr>
-    <a:masterClrMapping/>
-  </p:clrMapOvr>
-</p:sld>
-</file>
-
-<file path=ppt/slides/slide9.xml><?xml version="1.0" encoding="utf-8"?>
-<p:sld xmlns:a="http://schemas.openxmlformats.org/drawingml/2006/main" xmlns:r="http://schemas.openxmlformats.org/officeDocument/2006/relationships" xmlns:p="http://schemas.openxmlformats.org/presentationml/2006/main">
-  <p:cSld>
-    <p:spTree>
-      <p:nvGrpSpPr>
-        <p:cNvPr id="1" name=""/>
-        <p:cNvGrpSpPr/>
-        <p:nvPr/>
-      </p:nvGrpSpPr>
-      <p:grpSpPr/>
-      <p:sp>
-        <p:nvSpPr>
-          <p:cNvPr id="2" name="Title 1"/>
-          <p:cNvSpPr>
-            <a:spLocks noGrp="1"/>
-          </p:cNvSpPr>
-          <p:nvPr>
-            <p:ph type="title"/>
-          </p:nvPr>
-        </p:nvSpPr>
-        <p:spPr/>
-        <p:txBody>
-          <a:bodyPr/>
-          <a:p>
-            <a:pPr algn="ctr"/>
-            <a:r>
-              <a:rPr lang="en-US"/>
-              <a:t>NGRX – Store, Effects</a:t>
-            </a:r>
-            <a:endParaRPr lang="en-US"/>
-          </a:p>
-        </p:txBody>
-      </p:sp>
-      <p:sp>
-        <p:nvSpPr>
-          <p:cNvPr id="4" name="Slide Number Placeholder 3"/>
-          <p:cNvSpPr>
-            <a:spLocks noGrp="1"/>
-          </p:cNvSpPr>
-          <p:nvPr>
-            <p:ph type="sldNum" sz="quarter" idx="12"/>
-          </p:nvPr>
-        </p:nvSpPr>
-        <p:spPr/>
-        <p:txBody>
-          <a:bodyPr/>
-          <a:p>
-            <a:fld id="{9B618960-8005-486C-9A75-10CB2AAC16F9}" type="slidenum">
-              <a:rPr lang="en-US" smtClean="0"/>
-            </a:fld>
-            <a:endParaRPr lang="en-US"/>
-          </a:p>
-        </p:txBody>
-      </p:sp>
-      <p:pic>
-        <p:nvPicPr>
-          <p:cNvPr id="5" name="Content Placeholder 4"/>
-          <p:cNvPicPr>
-            <a:picLocks noChangeAspect="1"/>
-          </p:cNvPicPr>
-          <p:nvPr>
-            <p:ph idx="1"/>
-          </p:nvPr>
-        </p:nvPicPr>
-        <p:blipFill>
-          <a:blip r:embed="rId1"/>
-          <a:stretch>
-            <a:fillRect/>
-          </a:stretch>
-        </p:blipFill>
-        <p:spPr>
-          <a:xfrm>
-            <a:off x="1142365" y="1856105"/>
-            <a:ext cx="9906000" cy="3602355"/>
+            <a:off x="1703917" y="1907709"/>
+            <a:ext cx="1220893" cy="561975"/>
           </a:xfrm>
           <a:prstGeom prst="rect">
             <a:avLst/>
           </a:prstGeom>
         </p:spPr>
-      </p:pic>
+        <p:txBody>
+          <a:bodyPr vert="horz" wrap="square" lIns="0" tIns="8466" rIns="0" bIns="0" rtlCol="0">
+            <a:spAutoFit/>
+          </a:bodyPr>
+          <a:lstStyle/>
+          <a:p>
+            <a:pPr marL="12700">
+              <a:lnSpc>
+                <a:spcPct val="100000"/>
+              </a:lnSpc>
+              <a:spcBef>
+                <a:spcPts val="100"/>
+              </a:spcBef>
+            </a:pPr>
+            <a:r>
+              <a:rPr sz="3600" spc="-80" dirty="0">
+                <a:solidFill>
+                  <a:srgbClr val="FFFFFF"/>
+                </a:solidFill>
+                <a:latin typeface="Microsoft Sans Serif" panose="020B0604020202020204"/>
+                <a:cs typeface="Microsoft Sans Serif" panose="020B0604020202020204"/>
+              </a:rPr>
+              <a:t>De</a:t>
+            </a:r>
+            <a:r>
+              <a:rPr sz="3600" spc="-105" dirty="0">
+                <a:solidFill>
+                  <a:srgbClr val="FFFFFF"/>
+                </a:solidFill>
+                <a:latin typeface="Microsoft Sans Serif" panose="020B0604020202020204"/>
+                <a:cs typeface="Microsoft Sans Serif" panose="020B0604020202020204"/>
+              </a:rPr>
+              <a:t>m</a:t>
+            </a:r>
+            <a:r>
+              <a:rPr sz="3600" spc="50" dirty="0">
+                <a:solidFill>
+                  <a:srgbClr val="FFFFFF"/>
+                </a:solidFill>
+                <a:latin typeface="Microsoft Sans Serif" panose="020B0604020202020204"/>
+                <a:cs typeface="Microsoft Sans Serif" panose="020B0604020202020204"/>
+              </a:rPr>
+              <a:t>o</a:t>
+            </a:r>
+            <a:endParaRPr sz="3600">
+              <a:latin typeface="Microsoft Sans Serif" panose="020B0604020202020204"/>
+              <a:cs typeface="Microsoft Sans Serif" panose="020B0604020202020204"/>
+            </a:endParaRPr>
+          </a:p>
+        </p:txBody>
+      </p:sp>
+      <p:sp>
+        <p:nvSpPr>
+          <p:cNvPr id="4" name="object 4"/>
+          <p:cNvSpPr txBox="1"/>
+          <p:nvPr/>
+        </p:nvSpPr>
+        <p:spPr>
+          <a:xfrm>
+            <a:off x="4735195" y="1999615"/>
+            <a:ext cx="7348855" cy="993140"/>
+          </a:xfrm>
+          <a:prstGeom prst="rect">
+            <a:avLst/>
+          </a:prstGeom>
+        </p:spPr>
+        <p:txBody>
+          <a:bodyPr vert="horz" wrap="square" lIns="0" tIns="8466" rIns="0" bIns="0" rtlCol="0">
+            <a:spAutoFit/>
+          </a:bodyPr>
+          <a:lstStyle/>
+          <a:p>
+            <a:r>
+              <a:rPr lang="en-US" sz="3200" b="1">
+                <a:solidFill>
+                  <a:srgbClr val="00B0F0"/>
+                </a:solidFill>
+                <a:sym typeface="+mn-ea"/>
+              </a:rPr>
+              <a:t>Use ngrx store with Angular to perform basic CRUD operations</a:t>
+            </a:r>
+            <a:endParaRPr lang="en-US" sz="3200">
+              <a:solidFill>
+                <a:srgbClr val="00B0F0"/>
+              </a:solidFill>
+              <a:latin typeface="Arial" panose="020B0604020202020204"/>
+              <a:cs typeface="Arial" panose="020B0604020202020204"/>
+              <a:sym typeface="+mn-ea"/>
+            </a:endParaRPr>
+          </a:p>
+        </p:txBody>
+      </p:sp>
+      <p:sp>
+        <p:nvSpPr>
+          <p:cNvPr id="5" name="Slide Number Placeholder 4"/>
+          <p:cNvSpPr>
+            <a:spLocks noGrp="1"/>
+          </p:cNvSpPr>
+          <p:nvPr>
+            <p:ph type="sldNum" sz="quarter" idx="12"/>
+          </p:nvPr>
+        </p:nvSpPr>
+        <p:spPr/>
+        <p:txBody>
+          <a:bodyPr/>
+          <a:lstStyle/>
+          <a:p>
+            <a:fld id="{B6F15528-21DE-4FAA-801E-634DDDAF4B2B}" type="slidenum">
+              <a:rPr sz="800"/>
+              <a:t>8</a:t>
+            </a:fld>
+            <a:endParaRPr sz="800"/>
+          </a:p>
+        </p:txBody>
+      </p:sp>
     </p:spTree>
   </p:cSld>
   <p:clrMapOvr>
@@ -4921,6 +4683,8 @@
       </a:bgFillStyleLst>
     </a:fmtScheme>
   </a:themeElements>
+  <a:objectDefaults/>
+  <a:extraClrSchemeLst/>
   <a:extLst>
     <a:ext uri="{05A4C25C-085E-4340-85A3-A5531E510DB2}">
       <thm15:themeFamily xmlns:thm15="http://schemas.microsoft.com/office/thememl/2012/main" name="Office Theme" id="{62F939B6-93AF-4DB8-9C6B-D6C7DFDC589F}" vid="{4A3C46E8-61CC-4603-A589-7422A47A8E4A}"/>
@@ -5180,6 +4944,8 @@
       </a:bgFillStyleLst>
     </a:fmtScheme>
   </a:themeElements>
+  <a:objectDefaults/>
+  <a:extraClrSchemeLst/>
   <a:extLst>
     <a:ext uri="{05A4C25C-085E-4340-85A3-A5531E510DB2}">
       <thm15:themeFamily xmlns:thm15="http://schemas.microsoft.com/office/thememl/2012/main" name="Office Theme" id="{62F939B6-93AF-4DB8-9C6B-D6C7DFDC589F}" vid="{4A3C46E8-61CC-4603-A589-7422A47A8E4A}"/>
